--- a/Infrared TX RX.pptx
+++ b/Infrared TX RX.pptx
@@ -263,472 +263,6 @@
     <p1510:client id="{576E317F-896D-44FA-BF30-38C2DEA2A73C}" v="25" dt="2022-10-07T14:35:06.779"/>
   </p1510:revLst>
 </p1510:revInfo>
-</file>
-
-<file path=ppt/changesInfos/changesInfo1.xml><?xml version="1.0" encoding="utf-8"?>
-<pc:chgInfo xmlns:a="http://schemas.openxmlformats.org/drawingml/2006/main" xmlns:r="http://schemas.openxmlformats.org/officeDocument/2006/relationships" xmlns:ac="http://schemas.microsoft.com/office/drawing/2013/main/command" xmlns:pc="http://schemas.microsoft.com/office/powerpoint/2013/main/command">
-  <pc:docChgLst>
-    <pc:chgData name="Kelley, Todd W" userId="d27d4cb4-89b9-4445-97de-d6d70d6b1c5d" providerId="ADAL" clId="{576E317F-896D-44FA-BF30-38C2DEA2A73C}"/>
-    <pc:docChg chg="custSel addSld modSld sldOrd">
-      <pc:chgData name="Kelley, Todd W" userId="d27d4cb4-89b9-4445-97de-d6d70d6b1c5d" providerId="ADAL" clId="{576E317F-896D-44FA-BF30-38C2DEA2A73C}" dt="2022-10-07T16:03:58.085" v="1044" actId="20577"/>
-      <pc:docMkLst>
-        <pc:docMk/>
-      </pc:docMkLst>
-      <pc:sldChg chg="modSp mod">
-        <pc:chgData name="Kelley, Todd W" userId="d27d4cb4-89b9-4445-97de-d6d70d6b1c5d" providerId="ADAL" clId="{576E317F-896D-44FA-BF30-38C2DEA2A73C}" dt="2022-10-03T14:05:41.987" v="3" actId="1076"/>
-        <pc:sldMkLst>
-          <pc:docMk/>
-          <pc:sldMk cId="3873371557" sldId="256"/>
-        </pc:sldMkLst>
-        <pc:spChg chg="mod">
-          <ac:chgData name="Kelley, Todd W" userId="d27d4cb4-89b9-4445-97de-d6d70d6b1c5d" providerId="ADAL" clId="{576E317F-896D-44FA-BF30-38C2DEA2A73C}" dt="2022-10-03T14:05:34.104" v="0"/>
-          <ac:spMkLst>
-            <pc:docMk/>
-            <pc:sldMk cId="3873371557" sldId="256"/>
-            <ac:spMk id="2" creationId="{00000000-0000-0000-0000-000000000000}"/>
-          </ac:spMkLst>
-        </pc:spChg>
-        <pc:spChg chg="mod">
-          <ac:chgData name="Kelley, Todd W" userId="d27d4cb4-89b9-4445-97de-d6d70d6b1c5d" providerId="ADAL" clId="{576E317F-896D-44FA-BF30-38C2DEA2A73C}" dt="2022-10-03T14:05:34.104" v="0"/>
-          <ac:spMkLst>
-            <pc:docMk/>
-            <pc:sldMk cId="3873371557" sldId="256"/>
-            <ac:spMk id="3" creationId="{00000000-0000-0000-0000-000000000000}"/>
-          </ac:spMkLst>
-        </pc:spChg>
-        <pc:picChg chg="mod">
-          <ac:chgData name="Kelley, Todd W" userId="d27d4cb4-89b9-4445-97de-d6d70d6b1c5d" providerId="ADAL" clId="{576E317F-896D-44FA-BF30-38C2DEA2A73C}" dt="2022-10-03T14:05:39.065" v="2" actId="1076"/>
-          <ac:picMkLst>
-            <pc:docMk/>
-            <pc:sldMk cId="3873371557" sldId="256"/>
-            <ac:picMk id="4" creationId="{00000000-0000-0000-0000-000000000000}"/>
-          </ac:picMkLst>
-        </pc:picChg>
-        <pc:picChg chg="mod">
-          <ac:chgData name="Kelley, Todd W" userId="d27d4cb4-89b9-4445-97de-d6d70d6b1c5d" providerId="ADAL" clId="{576E317F-896D-44FA-BF30-38C2DEA2A73C}" dt="2022-10-03T14:05:41.987" v="3" actId="1076"/>
-          <ac:picMkLst>
-            <pc:docMk/>
-            <pc:sldMk cId="3873371557" sldId="256"/>
-            <ac:picMk id="5" creationId="{00000000-0000-0000-0000-000000000000}"/>
-          </ac:picMkLst>
-        </pc:picChg>
-      </pc:sldChg>
-      <pc:sldChg chg="modSp mod">
-        <pc:chgData name="Kelley, Todd W" userId="d27d4cb4-89b9-4445-97de-d6d70d6b1c5d" providerId="ADAL" clId="{576E317F-896D-44FA-BF30-38C2DEA2A73C}" dt="2022-10-03T14:07:01.375" v="15" actId="1076"/>
-        <pc:sldMkLst>
-          <pc:docMk/>
-          <pc:sldMk cId="4240302690" sldId="257"/>
-        </pc:sldMkLst>
-        <pc:spChg chg="mod">
-          <ac:chgData name="Kelley, Todd W" userId="d27d4cb4-89b9-4445-97de-d6d70d6b1c5d" providerId="ADAL" clId="{576E317F-896D-44FA-BF30-38C2DEA2A73C}" dt="2022-10-03T14:05:34.104" v="0"/>
-          <ac:spMkLst>
-            <pc:docMk/>
-            <pc:sldMk cId="4240302690" sldId="257"/>
-            <ac:spMk id="2" creationId="{00000000-0000-0000-0000-000000000000}"/>
-          </ac:spMkLst>
-        </pc:spChg>
-        <pc:spChg chg="mod">
-          <ac:chgData name="Kelley, Todd W" userId="d27d4cb4-89b9-4445-97de-d6d70d6b1c5d" providerId="ADAL" clId="{576E317F-896D-44FA-BF30-38C2DEA2A73C}" dt="2022-10-03T14:06:06.180" v="6" actId="1076"/>
-          <ac:spMkLst>
-            <pc:docMk/>
-            <pc:sldMk cId="4240302690" sldId="257"/>
-            <ac:spMk id="3" creationId="{00000000-0000-0000-0000-000000000000}"/>
-          </ac:spMkLst>
-        </pc:spChg>
-        <pc:spChg chg="mod">
-          <ac:chgData name="Kelley, Todd W" userId="d27d4cb4-89b9-4445-97de-d6d70d6b1c5d" providerId="ADAL" clId="{576E317F-896D-44FA-BF30-38C2DEA2A73C}" dt="2022-10-03T14:06:27.664" v="9" actId="1076"/>
-          <ac:spMkLst>
-            <pc:docMk/>
-            <pc:sldMk cId="4240302690" sldId="257"/>
-            <ac:spMk id="7" creationId="{00000000-0000-0000-0000-000000000000}"/>
-          </ac:spMkLst>
-        </pc:spChg>
-        <pc:spChg chg="mod">
-          <ac:chgData name="Kelley, Todd W" userId="d27d4cb4-89b9-4445-97de-d6d70d6b1c5d" providerId="ADAL" clId="{576E317F-896D-44FA-BF30-38C2DEA2A73C}" dt="2022-10-03T14:06:49.440" v="13" actId="1076"/>
-          <ac:spMkLst>
-            <pc:docMk/>
-            <pc:sldMk cId="4240302690" sldId="257"/>
-            <ac:spMk id="8" creationId="{00000000-0000-0000-0000-000000000000}"/>
-          </ac:spMkLst>
-        </pc:spChg>
-        <pc:spChg chg="mod">
-          <ac:chgData name="Kelley, Todd W" userId="d27d4cb4-89b9-4445-97de-d6d70d6b1c5d" providerId="ADAL" clId="{576E317F-896D-44FA-BF30-38C2DEA2A73C}" dt="2022-10-03T14:06:35.407" v="10" actId="1076"/>
-          <ac:spMkLst>
-            <pc:docMk/>
-            <pc:sldMk cId="4240302690" sldId="257"/>
-            <ac:spMk id="14" creationId="{00000000-0000-0000-0000-000000000000}"/>
-          </ac:spMkLst>
-        </pc:spChg>
-        <pc:spChg chg="mod">
-          <ac:chgData name="Kelley, Todd W" userId="d27d4cb4-89b9-4445-97de-d6d70d6b1c5d" providerId="ADAL" clId="{576E317F-896D-44FA-BF30-38C2DEA2A73C}" dt="2022-10-03T14:07:01.375" v="15" actId="1076"/>
-          <ac:spMkLst>
-            <pc:docMk/>
-            <pc:sldMk cId="4240302690" sldId="257"/>
-            <ac:spMk id="15" creationId="{00000000-0000-0000-0000-000000000000}"/>
-          </ac:spMkLst>
-        </pc:spChg>
-        <pc:picChg chg="mod">
-          <ac:chgData name="Kelley, Todd W" userId="d27d4cb4-89b9-4445-97de-d6d70d6b1c5d" providerId="ADAL" clId="{576E317F-896D-44FA-BF30-38C2DEA2A73C}" dt="2022-10-03T14:06:52.312" v="14" actId="1076"/>
-          <ac:picMkLst>
-            <pc:docMk/>
-            <pc:sldMk cId="4240302690" sldId="257"/>
-            <ac:picMk id="4" creationId="{00000000-0000-0000-0000-000000000000}"/>
-          </ac:picMkLst>
-        </pc:picChg>
-        <pc:cxnChg chg="mod">
-          <ac:chgData name="Kelley, Todd W" userId="d27d4cb4-89b9-4445-97de-d6d70d6b1c5d" providerId="ADAL" clId="{576E317F-896D-44FA-BF30-38C2DEA2A73C}" dt="2022-10-03T14:06:23.916" v="8" actId="1076"/>
-          <ac:cxnSpMkLst>
-            <pc:docMk/>
-            <pc:sldMk cId="4240302690" sldId="257"/>
-            <ac:cxnSpMk id="10" creationId="{00000000-0000-0000-0000-000000000000}"/>
-          </ac:cxnSpMkLst>
-        </pc:cxnChg>
-        <pc:cxnChg chg="mod">
-          <ac:chgData name="Kelley, Todd W" userId="d27d4cb4-89b9-4445-97de-d6d70d6b1c5d" providerId="ADAL" clId="{576E317F-896D-44FA-BF30-38C2DEA2A73C}" dt="2022-10-03T14:06:46.057" v="12" actId="1076"/>
-          <ac:cxnSpMkLst>
-            <pc:docMk/>
-            <pc:sldMk cId="4240302690" sldId="257"/>
-            <ac:cxnSpMk id="11" creationId="{00000000-0000-0000-0000-000000000000}"/>
-          </ac:cxnSpMkLst>
-        </pc:cxnChg>
-      </pc:sldChg>
-      <pc:sldChg chg="modSp">
-        <pc:chgData name="Kelley, Todd W" userId="d27d4cb4-89b9-4445-97de-d6d70d6b1c5d" providerId="ADAL" clId="{576E317F-896D-44FA-BF30-38C2DEA2A73C}" dt="2022-10-03T14:05:34.104" v="0"/>
-        <pc:sldMkLst>
-          <pc:docMk/>
-          <pc:sldMk cId="2064231017" sldId="258"/>
-        </pc:sldMkLst>
-        <pc:spChg chg="mod">
-          <ac:chgData name="Kelley, Todd W" userId="d27d4cb4-89b9-4445-97de-d6d70d6b1c5d" providerId="ADAL" clId="{576E317F-896D-44FA-BF30-38C2DEA2A73C}" dt="2022-10-03T14:05:34.104" v="0"/>
-          <ac:spMkLst>
-            <pc:docMk/>
-            <pc:sldMk cId="2064231017" sldId="258"/>
-            <ac:spMk id="2" creationId="{00000000-0000-0000-0000-000000000000}"/>
-          </ac:spMkLst>
-        </pc:spChg>
-      </pc:sldChg>
-      <pc:sldChg chg="modSp mod">
-        <pc:chgData name="Kelley, Todd W" userId="d27d4cb4-89b9-4445-97de-d6d70d6b1c5d" providerId="ADAL" clId="{576E317F-896D-44FA-BF30-38C2DEA2A73C}" dt="2022-10-03T14:05:34.175" v="1" actId="27636"/>
-        <pc:sldMkLst>
-          <pc:docMk/>
-          <pc:sldMk cId="2270076229" sldId="259"/>
-        </pc:sldMkLst>
-        <pc:spChg chg="mod">
-          <ac:chgData name="Kelley, Todd W" userId="d27d4cb4-89b9-4445-97de-d6d70d6b1c5d" providerId="ADAL" clId="{576E317F-896D-44FA-BF30-38C2DEA2A73C}" dt="2022-10-03T14:05:34.104" v="0"/>
-          <ac:spMkLst>
-            <pc:docMk/>
-            <pc:sldMk cId="2270076229" sldId="259"/>
-            <ac:spMk id="2" creationId="{00000000-0000-0000-0000-000000000000}"/>
-          </ac:spMkLst>
-        </pc:spChg>
-        <pc:spChg chg="mod">
-          <ac:chgData name="Kelley, Todd W" userId="d27d4cb4-89b9-4445-97de-d6d70d6b1c5d" providerId="ADAL" clId="{576E317F-896D-44FA-BF30-38C2DEA2A73C}" dt="2022-10-03T14:05:34.175" v="1" actId="27636"/>
-          <ac:spMkLst>
-            <pc:docMk/>
-            <pc:sldMk cId="2270076229" sldId="259"/>
-            <ac:spMk id="3" creationId="{00000000-0000-0000-0000-000000000000}"/>
-          </ac:spMkLst>
-        </pc:spChg>
-      </pc:sldChg>
-      <pc:sldChg chg="modSp mod ord">
-        <pc:chgData name="Kelley, Todd W" userId="d27d4cb4-89b9-4445-97de-d6d70d6b1c5d" providerId="ADAL" clId="{576E317F-896D-44FA-BF30-38C2DEA2A73C}" dt="2022-10-07T14:04:33.480" v="764" actId="20577"/>
-        <pc:sldMkLst>
-          <pc:docMk/>
-          <pc:sldMk cId="3320878686" sldId="260"/>
-        </pc:sldMkLst>
-        <pc:spChg chg="mod">
-          <ac:chgData name="Kelley, Todd W" userId="d27d4cb4-89b9-4445-97de-d6d70d6b1c5d" providerId="ADAL" clId="{576E317F-896D-44FA-BF30-38C2DEA2A73C}" dt="2022-10-06T19:14:45.202" v="656" actId="20577"/>
-          <ac:spMkLst>
-            <pc:docMk/>
-            <pc:sldMk cId="3320878686" sldId="260"/>
-            <ac:spMk id="2" creationId="{00000000-0000-0000-0000-000000000000}"/>
-          </ac:spMkLst>
-        </pc:spChg>
-        <pc:spChg chg="mod">
-          <ac:chgData name="Kelley, Todd W" userId="d27d4cb4-89b9-4445-97de-d6d70d6b1c5d" providerId="ADAL" clId="{576E317F-896D-44FA-BF30-38C2DEA2A73C}" dt="2022-10-07T14:04:33.480" v="764" actId="20577"/>
-          <ac:spMkLst>
-            <pc:docMk/>
-            <pc:sldMk cId="3320878686" sldId="260"/>
-            <ac:spMk id="3" creationId="{00000000-0000-0000-0000-000000000000}"/>
-          </ac:spMkLst>
-        </pc:spChg>
-        <pc:picChg chg="mod">
-          <ac:chgData name="Kelley, Todd W" userId="d27d4cb4-89b9-4445-97de-d6d70d6b1c5d" providerId="ADAL" clId="{576E317F-896D-44FA-BF30-38C2DEA2A73C}" dt="2022-10-03T14:08:29.149" v="18" actId="1076"/>
-          <ac:picMkLst>
-            <pc:docMk/>
-            <pc:sldMk cId="3320878686" sldId="260"/>
-            <ac:picMk id="4" creationId="{00000000-0000-0000-0000-000000000000}"/>
-          </ac:picMkLst>
-        </pc:picChg>
-      </pc:sldChg>
-      <pc:sldChg chg="modSp mod">
-        <pc:chgData name="Kelley, Todd W" userId="d27d4cb4-89b9-4445-97de-d6d70d6b1c5d" providerId="ADAL" clId="{576E317F-896D-44FA-BF30-38C2DEA2A73C}" dt="2022-10-07T14:05:48.917" v="772" actId="20577"/>
-        <pc:sldMkLst>
-          <pc:docMk/>
-          <pc:sldMk cId="2094176406" sldId="261"/>
-        </pc:sldMkLst>
-        <pc:spChg chg="mod">
-          <ac:chgData name="Kelley, Todd W" userId="d27d4cb4-89b9-4445-97de-d6d70d6b1c5d" providerId="ADAL" clId="{576E317F-896D-44FA-BF30-38C2DEA2A73C}" dt="2022-10-07T14:05:48.917" v="772" actId="20577"/>
-          <ac:spMkLst>
-            <pc:docMk/>
-            <pc:sldMk cId="2094176406" sldId="261"/>
-            <ac:spMk id="2" creationId="{00000000-0000-0000-0000-000000000000}"/>
-          </ac:spMkLst>
-        </pc:spChg>
-      </pc:sldChg>
-      <pc:sldChg chg="addSp modSp mod">
-        <pc:chgData name="Kelley, Todd W" userId="d27d4cb4-89b9-4445-97de-d6d70d6b1c5d" providerId="ADAL" clId="{576E317F-896D-44FA-BF30-38C2DEA2A73C}" dt="2022-10-07T14:12:05.205" v="955" actId="20577"/>
-        <pc:sldMkLst>
-          <pc:docMk/>
-          <pc:sldMk cId="371852861" sldId="262"/>
-        </pc:sldMkLst>
-        <pc:spChg chg="mod">
-          <ac:chgData name="Kelley, Todd W" userId="d27d4cb4-89b9-4445-97de-d6d70d6b1c5d" providerId="ADAL" clId="{576E317F-896D-44FA-BF30-38C2DEA2A73C}" dt="2022-10-03T14:05:34.104" v="0"/>
-          <ac:spMkLst>
-            <pc:docMk/>
-            <pc:sldMk cId="371852861" sldId="262"/>
-            <ac:spMk id="2" creationId="{00000000-0000-0000-0000-000000000000}"/>
-          </ac:spMkLst>
-        </pc:spChg>
-        <pc:spChg chg="mod">
-          <ac:chgData name="Kelley, Todd W" userId="d27d4cb4-89b9-4445-97de-d6d70d6b1c5d" providerId="ADAL" clId="{576E317F-896D-44FA-BF30-38C2DEA2A73C}" dt="2022-10-07T14:12:05.205" v="955" actId="20577"/>
-          <ac:spMkLst>
-            <pc:docMk/>
-            <pc:sldMk cId="371852861" sldId="262"/>
-            <ac:spMk id="3" creationId="{00000000-0000-0000-0000-000000000000}"/>
-          </ac:spMkLst>
-        </pc:spChg>
-        <pc:picChg chg="add mod">
-          <ac:chgData name="Kelley, Todd W" userId="d27d4cb4-89b9-4445-97de-d6d70d6b1c5d" providerId="ADAL" clId="{576E317F-896D-44FA-BF30-38C2DEA2A73C}" dt="2022-10-07T14:10:16.492" v="883" actId="1076"/>
-          <ac:picMkLst>
-            <pc:docMk/>
-            <pc:sldMk cId="371852861" sldId="262"/>
-            <ac:picMk id="2050" creationId="{398FDE8B-D032-48D3-AC38-F64ABE5647B3}"/>
-          </ac:picMkLst>
-        </pc:picChg>
-      </pc:sldChg>
-      <pc:sldChg chg="addSp delSp modSp mod">
-        <pc:chgData name="Kelley, Todd W" userId="d27d4cb4-89b9-4445-97de-d6d70d6b1c5d" providerId="ADAL" clId="{576E317F-896D-44FA-BF30-38C2DEA2A73C}" dt="2022-10-07T14:14:08.256" v="979" actId="20577"/>
-        <pc:sldMkLst>
-          <pc:docMk/>
-          <pc:sldMk cId="960936614" sldId="263"/>
-        </pc:sldMkLst>
-        <pc:spChg chg="mod">
-          <ac:chgData name="Kelley, Todd W" userId="d27d4cb4-89b9-4445-97de-d6d70d6b1c5d" providerId="ADAL" clId="{576E317F-896D-44FA-BF30-38C2DEA2A73C}" dt="2022-10-03T14:05:34.104" v="0"/>
-          <ac:spMkLst>
-            <pc:docMk/>
-            <pc:sldMk cId="960936614" sldId="263"/>
-            <ac:spMk id="2" creationId="{00000000-0000-0000-0000-000000000000}"/>
-          </ac:spMkLst>
-        </pc:spChg>
-        <pc:spChg chg="mod">
-          <ac:chgData name="Kelley, Todd W" userId="d27d4cb4-89b9-4445-97de-d6d70d6b1c5d" providerId="ADAL" clId="{576E317F-896D-44FA-BF30-38C2DEA2A73C}" dt="2022-10-07T14:14:08.256" v="979" actId="20577"/>
-          <ac:spMkLst>
-            <pc:docMk/>
-            <pc:sldMk cId="960936614" sldId="263"/>
-            <ac:spMk id="3" creationId="{00000000-0000-0000-0000-000000000000}"/>
-          </ac:spMkLst>
-        </pc:spChg>
-        <pc:picChg chg="add mod">
-          <ac:chgData name="Kelley, Todd W" userId="d27d4cb4-89b9-4445-97de-d6d70d6b1c5d" providerId="ADAL" clId="{576E317F-896D-44FA-BF30-38C2DEA2A73C}" dt="2022-10-06T18:42:53.491" v="265" actId="1076"/>
-          <ac:picMkLst>
-            <pc:docMk/>
-            <pc:sldMk cId="960936614" sldId="263"/>
-            <ac:picMk id="1026" creationId="{9A62C730-421E-4AE6-8C99-16D9D4F3C413}"/>
-          </ac:picMkLst>
-        </pc:picChg>
-        <pc:picChg chg="add del">
-          <ac:chgData name="Kelley, Todd W" userId="d27d4cb4-89b9-4445-97de-d6d70d6b1c5d" providerId="ADAL" clId="{576E317F-896D-44FA-BF30-38C2DEA2A73C}" dt="2022-10-07T14:13:49.097" v="972"/>
-          <ac:picMkLst>
-            <pc:docMk/>
-            <pc:sldMk cId="960936614" sldId="263"/>
-            <ac:picMk id="1028" creationId="{43DD8E35-F565-4212-BD80-39EB04FC756A}"/>
-          </ac:picMkLst>
-        </pc:picChg>
-      </pc:sldChg>
-      <pc:sldChg chg="addSp delSp modSp add mod">
-        <pc:chgData name="Kelley, Todd W" userId="d27d4cb4-89b9-4445-97de-d6d70d6b1c5d" providerId="ADAL" clId="{576E317F-896D-44FA-BF30-38C2DEA2A73C}" dt="2022-10-06T18:36:42.027" v="133" actId="1076"/>
-        <pc:sldMkLst>
-          <pc:docMk/>
-          <pc:sldMk cId="2671019258" sldId="264"/>
-        </pc:sldMkLst>
-        <pc:spChg chg="mod">
-          <ac:chgData name="Kelley, Todd W" userId="d27d4cb4-89b9-4445-97de-d6d70d6b1c5d" providerId="ADAL" clId="{576E317F-896D-44FA-BF30-38C2DEA2A73C}" dt="2022-10-06T17:55:54.673" v="125" actId="14100"/>
-          <ac:spMkLst>
-            <pc:docMk/>
-            <pc:sldMk cId="2671019258" sldId="264"/>
-            <ac:spMk id="3" creationId="{00000000-0000-0000-0000-000000000000}"/>
-          </ac:spMkLst>
-        </pc:spChg>
-        <pc:picChg chg="add del mod modCrop">
-          <ac:chgData name="Kelley, Todd W" userId="d27d4cb4-89b9-4445-97de-d6d70d6b1c5d" providerId="ADAL" clId="{576E317F-896D-44FA-BF30-38C2DEA2A73C}" dt="2022-10-06T17:56:24.532" v="126" actId="478"/>
-          <ac:picMkLst>
-            <pc:docMk/>
-            <pc:sldMk cId="2671019258" sldId="264"/>
-            <ac:picMk id="5" creationId="{C0C7E5AA-C430-460B-85AC-2BF9FA01B62E}"/>
-          </ac:picMkLst>
-        </pc:picChg>
-        <pc:picChg chg="add mod modCrop">
-          <ac:chgData name="Kelley, Todd W" userId="d27d4cb4-89b9-4445-97de-d6d70d6b1c5d" providerId="ADAL" clId="{576E317F-896D-44FA-BF30-38C2DEA2A73C}" dt="2022-10-06T18:36:42.027" v="133" actId="1076"/>
-          <ac:picMkLst>
-            <pc:docMk/>
-            <pc:sldMk cId="2671019258" sldId="264"/>
-            <ac:picMk id="7" creationId="{6F0C712F-9995-4EB8-95D2-C7FA4DAD82F7}"/>
-          </ac:picMkLst>
-        </pc:picChg>
-        <pc:picChg chg="del">
-          <ac:chgData name="Kelley, Todd W" userId="d27d4cb4-89b9-4445-97de-d6d70d6b1c5d" providerId="ADAL" clId="{576E317F-896D-44FA-BF30-38C2DEA2A73C}" dt="2022-10-06T17:54:23.921" v="71" actId="478"/>
-          <ac:picMkLst>
-            <pc:docMk/>
-            <pc:sldMk cId="2671019258" sldId="264"/>
-            <ac:picMk id="1026" creationId="{9A62C730-421E-4AE6-8C99-16D9D4F3C413}"/>
-          </ac:picMkLst>
-        </pc:picChg>
-      </pc:sldChg>
-      <pc:sldChg chg="addSp delSp modSp add mod">
-        <pc:chgData name="Kelley, Todd W" userId="d27d4cb4-89b9-4445-97de-d6d70d6b1c5d" providerId="ADAL" clId="{576E317F-896D-44FA-BF30-38C2DEA2A73C}" dt="2022-10-06T19:10:17.635" v="582" actId="14100"/>
-        <pc:sldMkLst>
-          <pc:docMk/>
-          <pc:sldMk cId="2012379139" sldId="265"/>
-        </pc:sldMkLst>
-        <pc:spChg chg="mod">
-          <ac:chgData name="Kelley, Todd W" userId="d27d4cb4-89b9-4445-97de-d6d70d6b1c5d" providerId="ADAL" clId="{576E317F-896D-44FA-BF30-38C2DEA2A73C}" dt="2022-10-06T19:09:15.969" v="567" actId="20577"/>
-          <ac:spMkLst>
-            <pc:docMk/>
-            <pc:sldMk cId="2012379139" sldId="265"/>
-            <ac:spMk id="2" creationId="{00000000-0000-0000-0000-000000000000}"/>
-          </ac:spMkLst>
-        </pc:spChg>
-        <pc:spChg chg="mod">
-          <ac:chgData name="Kelley, Todd W" userId="d27d4cb4-89b9-4445-97de-d6d70d6b1c5d" providerId="ADAL" clId="{576E317F-896D-44FA-BF30-38C2DEA2A73C}" dt="2022-10-06T19:09:02.394" v="546" actId="6549"/>
-          <ac:spMkLst>
-            <pc:docMk/>
-            <pc:sldMk cId="2012379139" sldId="265"/>
-            <ac:spMk id="3" creationId="{00000000-0000-0000-0000-000000000000}"/>
-          </ac:spMkLst>
-        </pc:spChg>
-        <pc:spChg chg="add mod">
-          <ac:chgData name="Kelley, Todd W" userId="d27d4cb4-89b9-4445-97de-d6d70d6b1c5d" providerId="ADAL" clId="{576E317F-896D-44FA-BF30-38C2DEA2A73C}" dt="2022-10-06T19:05:25.383" v="456" actId="1076"/>
-          <ac:spMkLst>
-            <pc:docMk/>
-            <pc:sldMk cId="2012379139" sldId="265"/>
-            <ac:spMk id="6" creationId="{EAD0599C-866F-4BB0-83E9-E70ECC7FD88B}"/>
-          </ac:spMkLst>
-        </pc:spChg>
-        <pc:spChg chg="add mod">
-          <ac:chgData name="Kelley, Todd W" userId="d27d4cb4-89b9-4445-97de-d6d70d6b1c5d" providerId="ADAL" clId="{576E317F-896D-44FA-BF30-38C2DEA2A73C}" dt="2022-10-06T19:06:10.685" v="494" actId="1076"/>
-          <ac:spMkLst>
-            <pc:docMk/>
-            <pc:sldMk cId="2012379139" sldId="265"/>
-            <ac:spMk id="8" creationId="{813E9F39-3950-4AC8-8A7F-58604A4123F6}"/>
-          </ac:spMkLst>
-        </pc:spChg>
-        <pc:spChg chg="add mod">
-          <ac:chgData name="Kelley, Todd W" userId="d27d4cb4-89b9-4445-97de-d6d70d6b1c5d" providerId="ADAL" clId="{576E317F-896D-44FA-BF30-38C2DEA2A73C}" dt="2022-10-06T19:10:17.635" v="582" actId="14100"/>
-          <ac:spMkLst>
-            <pc:docMk/>
-            <pc:sldMk cId="2012379139" sldId="265"/>
-            <ac:spMk id="10" creationId="{CCA500FB-7D6F-4A77-BBE4-794179857E4A}"/>
-          </ac:spMkLst>
-        </pc:spChg>
-        <pc:spChg chg="add mod">
-          <ac:chgData name="Kelley, Todd W" userId="d27d4cb4-89b9-4445-97de-d6d70d6b1c5d" providerId="ADAL" clId="{576E317F-896D-44FA-BF30-38C2DEA2A73C}" dt="2022-10-06T19:10:12.386" v="581" actId="20577"/>
-          <ac:spMkLst>
-            <pc:docMk/>
-            <pc:sldMk cId="2012379139" sldId="265"/>
-            <ac:spMk id="11" creationId="{77258F30-B466-4434-98B2-7AC8473FE663}"/>
-          </ac:spMkLst>
-        </pc:spChg>
-        <pc:picChg chg="add del mod">
-          <ac:chgData name="Kelley, Todd W" userId="d27d4cb4-89b9-4445-97de-d6d70d6b1c5d" providerId="ADAL" clId="{576E317F-896D-44FA-BF30-38C2DEA2A73C}" dt="2022-10-06T19:06:21.093" v="495" actId="478"/>
-          <ac:picMkLst>
-            <pc:docMk/>
-            <pc:sldMk cId="2012379139" sldId="265"/>
-            <ac:picMk id="5" creationId="{93230E1C-99D4-46F5-9994-DE8AE95909FD}"/>
-          </ac:picMkLst>
-        </pc:picChg>
-        <pc:picChg chg="mod">
-          <ac:chgData name="Kelley, Todd W" userId="d27d4cb4-89b9-4445-97de-d6d70d6b1c5d" providerId="ADAL" clId="{576E317F-896D-44FA-BF30-38C2DEA2A73C}" dt="2022-10-06T18:42:13.770" v="260" actId="1076"/>
-          <ac:picMkLst>
-            <pc:docMk/>
-            <pc:sldMk cId="2012379139" sldId="265"/>
-            <ac:picMk id="7" creationId="{6F0C712F-9995-4EB8-95D2-C7FA4DAD82F7}"/>
-          </ac:picMkLst>
-        </pc:picChg>
-        <pc:picChg chg="add mod modCrop">
-          <ac:chgData name="Kelley, Todd W" userId="d27d4cb4-89b9-4445-97de-d6d70d6b1c5d" providerId="ADAL" clId="{576E317F-896D-44FA-BF30-38C2DEA2A73C}" dt="2022-10-06T19:07:19.966" v="500" actId="1076"/>
-          <ac:picMkLst>
-            <pc:docMk/>
-            <pc:sldMk cId="2012379139" sldId="265"/>
-            <ac:picMk id="9" creationId="{EC77A356-6B4F-4503-BBD1-9AFAB0876EAD}"/>
-          </ac:picMkLst>
-        </pc:picChg>
-      </pc:sldChg>
-      <pc:sldChg chg="modSp add mod">
-        <pc:chgData name="Kelley, Todd W" userId="d27d4cb4-89b9-4445-97de-d6d70d6b1c5d" providerId="ADAL" clId="{576E317F-896D-44FA-BF30-38C2DEA2A73C}" dt="2022-10-06T19:11:13.134" v="638" actId="20577"/>
-        <pc:sldMkLst>
-          <pc:docMk/>
-          <pc:sldMk cId="265162805" sldId="266"/>
-        </pc:sldMkLst>
-        <pc:spChg chg="mod">
-          <ac:chgData name="Kelley, Todd W" userId="d27d4cb4-89b9-4445-97de-d6d70d6b1c5d" providerId="ADAL" clId="{576E317F-896D-44FA-BF30-38C2DEA2A73C}" dt="2022-10-06T19:10:54.322" v="600" actId="20577"/>
-          <ac:spMkLst>
-            <pc:docMk/>
-            <pc:sldMk cId="265162805" sldId="266"/>
-            <ac:spMk id="2" creationId="{00000000-0000-0000-0000-000000000000}"/>
-          </ac:spMkLst>
-        </pc:spChg>
-        <pc:spChg chg="mod">
-          <ac:chgData name="Kelley, Todd W" userId="d27d4cb4-89b9-4445-97de-d6d70d6b1c5d" providerId="ADAL" clId="{576E317F-896D-44FA-BF30-38C2DEA2A73C}" dt="2022-10-06T19:11:13.134" v="638" actId="20577"/>
-          <ac:spMkLst>
-            <pc:docMk/>
-            <pc:sldMk cId="265162805" sldId="266"/>
-            <ac:spMk id="3" creationId="{00000000-0000-0000-0000-000000000000}"/>
-          </ac:spMkLst>
-        </pc:spChg>
-      </pc:sldChg>
-      <pc:sldChg chg="addSp delSp modSp new mod">
-        <pc:chgData name="Kelley, Todd W" userId="d27d4cb4-89b9-4445-97de-d6d70d6b1c5d" providerId="ADAL" clId="{576E317F-896D-44FA-BF30-38C2DEA2A73C}" dt="2022-10-07T16:03:58.085" v="1044" actId="20577"/>
-        <pc:sldMkLst>
-          <pc:docMk/>
-          <pc:sldMk cId="3116867958" sldId="267"/>
-        </pc:sldMkLst>
-        <pc:spChg chg="mod">
-          <ac:chgData name="Kelley, Todd W" userId="d27d4cb4-89b9-4445-97de-d6d70d6b1c5d" providerId="ADAL" clId="{576E317F-896D-44FA-BF30-38C2DEA2A73C}" dt="2022-10-07T14:34:58.432" v="991" actId="20577"/>
-          <ac:spMkLst>
-            <pc:docMk/>
-            <pc:sldMk cId="3116867958" sldId="267"/>
-            <ac:spMk id="2" creationId="{156738D1-8B68-4CE5-899F-FE1D02B6B9D3}"/>
-          </ac:spMkLst>
-        </pc:spChg>
-        <pc:spChg chg="del">
-          <ac:chgData name="Kelley, Todd W" userId="d27d4cb4-89b9-4445-97de-d6d70d6b1c5d" providerId="ADAL" clId="{576E317F-896D-44FA-BF30-38C2DEA2A73C}" dt="2022-10-07T14:34:43.690" v="981"/>
-          <ac:spMkLst>
-            <pc:docMk/>
-            <pc:sldMk cId="3116867958" sldId="267"/>
-            <ac:spMk id="3" creationId="{3AC423A9-D3DF-4152-BB88-E4D4E54BE2D2}"/>
-          </ac:spMkLst>
-        </pc:spChg>
-        <pc:spChg chg="add mod">
-          <ac:chgData name="Kelley, Todd W" userId="d27d4cb4-89b9-4445-97de-d6d70d6b1c5d" providerId="ADAL" clId="{576E317F-896D-44FA-BF30-38C2DEA2A73C}" dt="2022-10-07T16:03:58.085" v="1044" actId="20577"/>
-          <ac:spMkLst>
-            <pc:docMk/>
-            <pc:sldMk cId="3116867958" sldId="267"/>
-            <ac:spMk id="4" creationId="{3CAF1D18-B278-404D-B477-BC62C82F3A71}"/>
-          </ac:spMkLst>
-        </pc:spChg>
-        <pc:picChg chg="add del mod">
-          <ac:chgData name="Kelley, Todd W" userId="d27d4cb4-89b9-4445-97de-d6d70d6b1c5d" providerId="ADAL" clId="{576E317F-896D-44FA-BF30-38C2DEA2A73C}" dt="2022-10-07T14:35:06.778" v="992" actId="478"/>
-          <ac:picMkLst>
-            <pc:docMk/>
-            <pc:sldMk cId="3116867958" sldId="267"/>
-            <ac:picMk id="4098" creationId="{472D8964-DBBD-4363-AC45-3F7CBFB08F5B}"/>
-          </ac:picMkLst>
-        </pc:picChg>
-      </pc:sldChg>
-    </pc:docChg>
-  </pc:docChgLst>
-</pc:chgInfo>
 </file>
 
 <file path=ppt/slideLayouts/slideLayout1.xml><?xml version="1.0" encoding="utf-8"?>
@@ -44620,7 +44154,7 @@
           <a:p>
             <a:fld id="{3F54FE96-FFB1-4573-9FCE-EE5330CC7549}" type="datetimeFigureOut">
               <a:rPr lang="en-US" smtClean="0"/>
-              <a:t>10/3/2022</a:t>
+              <a:t>10/10/2022</a:t>
             </a:fld>
             <a:endParaRPr lang="en-US"/>
           </a:p>
@@ -56089,7 +55623,7 @@
           <p:nvPr/>
         </p:nvPicPr>
         <p:blipFill>
-          <a:blip r:embed="rId3">
+          <a:blip r:embed="rId3" cstate="print">
             <a:extLst>
               <a:ext uri="{28A0092B-C50C-407E-A947-70E740481C1C}">
                 <a14:useLocalDpi xmlns:a14="http://schemas.microsoft.com/office/drawing/2010/main" val="0"/>
@@ -56406,6 +55940,53 @@
           </a:prstGeom>
         </p:spPr>
       </p:pic>
+      <p:pic>
+        <p:nvPicPr>
+          <p:cNvPr id="1026" name="Picture 2" descr="2N2222 Transistor Basics- Pinout, Specs &amp; Equivalent">
+            <a:extLst>
+              <a:ext uri="{FF2B5EF4-FFF2-40B4-BE49-F238E27FC236}">
+                <a16:creationId xmlns:a16="http://schemas.microsoft.com/office/drawing/2014/main" id="{AB7686B9-BFD4-41F6-A72E-1A5B8AC1D741}"/>
+              </a:ext>
+            </a:extLst>
+          </p:cNvPr>
+          <p:cNvPicPr>
+            <a:picLocks noChangeAspect="1" noChangeArrowheads="1"/>
+          </p:cNvPicPr>
+          <p:nvPr/>
+        </p:nvPicPr>
+        <p:blipFill>
+          <a:blip r:embed="rId3">
+            <a:extLst>
+              <a:ext uri="{28A0092B-C50C-407E-A947-70E740481C1C}">
+                <a14:useLocalDpi xmlns:a14="http://schemas.microsoft.com/office/drawing/2010/main" val="0"/>
+              </a:ext>
+            </a:extLst>
+          </a:blip>
+          <a:srcRect/>
+          <a:stretch>
+            <a:fillRect/>
+          </a:stretch>
+        </p:blipFill>
+        <p:spPr bwMode="auto">
+          <a:xfrm>
+            <a:off x="116609" y="3583709"/>
+            <a:ext cx="4445000" cy="2489200"/>
+          </a:xfrm>
+          <a:prstGeom prst="rect">
+            <a:avLst/>
+          </a:prstGeom>
+          <a:noFill/>
+          <a:extLst>
+            <a:ext uri="{909E8E84-426E-40DD-AFC4-6F175D3DCCD1}">
+              <a14:hiddenFill xmlns:a14="http://schemas.microsoft.com/office/drawing/2010/main">
+                <a:solidFill>
+                  <a:srgbClr val="FFFFFF"/>
+                </a:solidFill>
+              </a14:hiddenFill>
+            </a:ext>
+          </a:extLst>
+        </p:spPr>
+      </p:pic>
     </p:spTree>
     <p:extLst>
       <p:ext uri="{BB962C8B-B14F-4D97-AF65-F5344CB8AC3E}">

--- a/Infrared TX RX.pptx
+++ b/Infrared TX RX.pptx
@@ -44154,7 +44154,7 @@
           <a:p>
             <a:fld id="{3F54FE96-FFB1-4573-9FCE-EE5330CC7549}" type="datetimeFigureOut">
               <a:rPr lang="en-US" smtClean="0"/>
-              <a:t>10/10/2022</a:t>
+              <a:t>7/19/2023</a:t>
             </a:fld>
             <a:endParaRPr lang="en-US"/>
           </a:p>
@@ -54650,13 +54650,8 @@
           <a:p>
             <a:r>
               <a:rPr lang="en-US" dirty="0"/>
-              <a:t>In way ways might this </a:t>
+              <a:t>In what ways might this be useful?</a:t>
             </a:r>
-            <a:r>
-              <a:rPr lang="en-US"/>
-              <a:t>be useful?</a:t>
-            </a:r>
-            <a:endParaRPr lang="en-US" dirty="0"/>
           </a:p>
         </p:txBody>
       </p:sp>
@@ -54931,7 +54926,7 @@
         <p:spPr>
           <a:xfrm>
             <a:off x="7778946" y="1102851"/>
-            <a:ext cx="1986441" cy="369332"/>
+            <a:ext cx="1757212" cy="307777"/>
           </a:xfrm>
           <a:prstGeom prst="rect">
             <a:avLst/>
@@ -54945,7 +54940,11 @@
           <a:lstStyle/>
           <a:p>
             <a:r>
-              <a:rPr lang="en-US" dirty="0"/>
+              <a:rPr lang="en-US" dirty="0">
+                <a:solidFill>
+                  <a:schemeClr val="tx1"/>
+                </a:solidFill>
+              </a:rPr>
               <a:t>Common 5mm LED</a:t>
             </a:r>
           </a:p>

--- a/Infrared TX RX.pptx
+++ b/Infrared TX RX.pptx
@@ -14,9 +14,7 @@
     <p:sldId id="262" r:id="rId8"/>
     <p:sldId id="263" r:id="rId9"/>
     <p:sldId id="264" r:id="rId10"/>
-    <p:sldId id="265" r:id="rId11"/>
-    <p:sldId id="266" r:id="rId12"/>
-    <p:sldId id="267" r:id="rId13"/>
+    <p:sldId id="267" r:id="rId11"/>
   </p:sldIdLst>
   <p:sldSz cx="12192000" cy="6858000"/>
   <p:notesSz cx="6858000" cy="9144000"/>
@@ -44154,7 +44152,7 @@
           <a:p>
             <a:fld id="{3F54FE96-FFB1-4573-9FCE-EE5330CC7549}" type="datetimeFigureOut">
               <a:rPr lang="en-US" smtClean="0"/>
-              <a:t>7/19/2023</a:t>
+              <a:t>11/8/2024</a:t>
             </a:fld>
             <a:endParaRPr lang="en-US"/>
           </a:p>
@@ -54141,466 +54139,6 @@
       </p:grpSpPr>
       <p:sp>
         <p:nvSpPr>
-          <p:cNvPr id="2" name="Title 1"/>
-          <p:cNvSpPr>
-            <a:spLocks noGrp="1"/>
-          </p:cNvSpPr>
-          <p:nvPr>
-            <p:ph type="title"/>
-          </p:nvPr>
-        </p:nvSpPr>
-        <p:spPr/>
-        <p:txBody>
-          <a:bodyPr/>
-          <a:lstStyle/>
-          <a:p>
-            <a:r>
-              <a:rPr lang="en-US" dirty="0"/>
-              <a:t>IR TX/RX on Oscilloscope</a:t>
-            </a:r>
-          </a:p>
-        </p:txBody>
-      </p:sp>
-      <p:sp>
-        <p:nvSpPr>
-          <p:cNvPr id="3" name="Content Placeholder 2"/>
-          <p:cNvSpPr>
-            <a:spLocks noGrp="1"/>
-          </p:cNvSpPr>
-          <p:nvPr>
-            <p:ph idx="1"/>
-          </p:nvPr>
-        </p:nvSpPr>
-        <p:spPr>
-          <a:xfrm>
-            <a:off x="951100" y="1536633"/>
-            <a:ext cx="3279155" cy="4601600"/>
-          </a:xfrm>
-        </p:spPr>
-        <p:txBody>
-          <a:bodyPr anchor="t"/>
-          <a:lstStyle/>
-          <a:p>
-            <a:r>
-              <a:rPr lang="en-US" dirty="0"/>
-              <a:t>Measure TX on Channel 1 and RX on Channel 2</a:t>
-            </a:r>
-          </a:p>
-        </p:txBody>
-      </p:sp>
-      <p:pic>
-        <p:nvPicPr>
-          <p:cNvPr id="7" name="Picture 6" descr="Diagram&#10;&#10;Description automatically generated">
-            <a:extLst>
-              <a:ext uri="{FF2B5EF4-FFF2-40B4-BE49-F238E27FC236}">
-                <a16:creationId xmlns:a16="http://schemas.microsoft.com/office/drawing/2014/main" id="{6F0C712F-9995-4EB8-95D2-C7FA4DAD82F7}"/>
-              </a:ext>
-            </a:extLst>
-          </p:cNvPr>
-          <p:cNvPicPr>
-            <a:picLocks noChangeAspect="1"/>
-          </p:cNvPicPr>
-          <p:nvPr/>
-        </p:nvPicPr>
-        <p:blipFill rotWithShape="1">
-          <a:blip r:embed="rId2">
-            <a:extLst>
-              <a:ext uri="{28A0092B-C50C-407E-A947-70E740481C1C}">
-                <a14:useLocalDpi xmlns:a14="http://schemas.microsoft.com/office/drawing/2010/main" val="0"/>
-              </a:ext>
-            </a:extLst>
-          </a:blip>
-          <a:srcRect l="24015" r="27501"/>
-          <a:stretch/>
-        </p:blipFill>
-        <p:spPr>
-          <a:xfrm>
-            <a:off x="5791200" y="1291083"/>
-            <a:ext cx="5911274" cy="5092700"/>
-          </a:xfrm>
-          <a:prstGeom prst="rect">
-            <a:avLst/>
-          </a:prstGeom>
-        </p:spPr>
-      </p:pic>
-      <p:sp>
-        <p:nvSpPr>
-          <p:cNvPr id="6" name="Arrow: Left 5">
-            <a:extLst>
-              <a:ext uri="{FF2B5EF4-FFF2-40B4-BE49-F238E27FC236}">
-                <a16:creationId xmlns:a16="http://schemas.microsoft.com/office/drawing/2014/main" id="{EAD0599C-866F-4BB0-83E9-E70ECC7FD88B}"/>
-              </a:ext>
-            </a:extLst>
-          </p:cNvPr>
-          <p:cNvSpPr/>
-          <p:nvPr/>
-        </p:nvSpPr>
-        <p:spPr>
-          <a:xfrm rot="2115989">
-            <a:off x="7104681" y="5795484"/>
-            <a:ext cx="1034473" cy="237343"/>
-          </a:xfrm>
-          <a:prstGeom prst="leftArrow">
-            <a:avLst/>
-          </a:prstGeom>
-          <a:solidFill>
-            <a:srgbClr val="FF0000"/>
-          </a:solidFill>
-          <a:ln>
-            <a:solidFill>
-              <a:schemeClr val="bg1">
-                <a:lumMod val="90000"/>
-                <a:lumOff val="10000"/>
-              </a:schemeClr>
-            </a:solidFill>
-          </a:ln>
-        </p:spPr>
-        <p:style>
-          <a:lnRef idx="2">
-            <a:schemeClr val="accent1">
-              <a:shade val="50000"/>
-            </a:schemeClr>
-          </a:lnRef>
-          <a:fillRef idx="1">
-            <a:schemeClr val="accent1"/>
-          </a:fillRef>
-          <a:effectRef idx="0">
-            <a:schemeClr val="accent1"/>
-          </a:effectRef>
-          <a:fontRef idx="minor">
-            <a:schemeClr val="lt1"/>
-          </a:fontRef>
-        </p:style>
-        <p:txBody>
-          <a:bodyPr rtlCol="0" anchor="ctr"/>
-          <a:lstStyle/>
-          <a:p>
-            <a:pPr algn="ctr"/>
-            <a:endParaRPr lang="en-US"/>
-          </a:p>
-        </p:txBody>
-      </p:sp>
-      <p:sp>
-        <p:nvSpPr>
-          <p:cNvPr id="8" name="TextBox 7">
-            <a:extLst>
-              <a:ext uri="{FF2B5EF4-FFF2-40B4-BE49-F238E27FC236}">
-                <a16:creationId xmlns:a16="http://schemas.microsoft.com/office/drawing/2014/main" id="{813E9F39-3950-4AC8-8A7F-58604A4123F6}"/>
-              </a:ext>
-            </a:extLst>
-          </p:cNvPr>
-          <p:cNvSpPr txBox="1"/>
-          <p:nvPr/>
-        </p:nvSpPr>
-        <p:spPr>
-          <a:xfrm>
-            <a:off x="8032214" y="6113052"/>
-            <a:ext cx="2840842" cy="307777"/>
-          </a:xfrm>
-          <a:prstGeom prst="rect">
-            <a:avLst/>
-          </a:prstGeom>
-          <a:noFill/>
-        </p:spPr>
-        <p:txBody>
-          <a:bodyPr wrap="none" rtlCol="0">
-            <a:spAutoFit/>
-          </a:bodyPr>
-          <a:lstStyle/>
-          <a:p>
-            <a:r>
-              <a:rPr lang="en-US" dirty="0"/>
-              <a:t>Measure logic coming from Pin 3 </a:t>
-            </a:r>
-          </a:p>
-        </p:txBody>
-      </p:sp>
-      <p:pic>
-        <p:nvPicPr>
-          <p:cNvPr id="9" name="Picture 8">
-            <a:extLst>
-              <a:ext uri="{FF2B5EF4-FFF2-40B4-BE49-F238E27FC236}">
-                <a16:creationId xmlns:a16="http://schemas.microsoft.com/office/drawing/2014/main" id="{EC77A356-6B4F-4503-BBD1-9AFAB0876EAD}"/>
-              </a:ext>
-            </a:extLst>
-          </p:cNvPr>
-          <p:cNvPicPr>
-            <a:picLocks noChangeAspect="1"/>
-          </p:cNvPicPr>
-          <p:nvPr/>
-        </p:nvPicPr>
-        <p:blipFill rotWithShape="1">
-          <a:blip r:embed="rId3">
-            <a:extLst>
-              <a:ext uri="{28A0092B-C50C-407E-A947-70E740481C1C}">
-                <a14:useLocalDpi xmlns:a14="http://schemas.microsoft.com/office/drawing/2010/main" val="0"/>
-              </a:ext>
-            </a:extLst>
-          </a:blip>
-          <a:srcRect l="28723" r="24045"/>
-          <a:stretch/>
-        </p:blipFill>
-        <p:spPr>
-          <a:xfrm>
-            <a:off x="367646" y="2582944"/>
-            <a:ext cx="5142592" cy="4199641"/>
-          </a:xfrm>
-          <a:prstGeom prst="rect">
-            <a:avLst/>
-          </a:prstGeom>
-        </p:spPr>
-      </p:pic>
-      <p:sp>
-        <p:nvSpPr>
-          <p:cNvPr id="10" name="Arrow: Left 9">
-            <a:extLst>
-              <a:ext uri="{FF2B5EF4-FFF2-40B4-BE49-F238E27FC236}">
-                <a16:creationId xmlns:a16="http://schemas.microsoft.com/office/drawing/2014/main" id="{CCA500FB-7D6F-4A77-BBE4-794179857E4A}"/>
-              </a:ext>
-            </a:extLst>
-          </p:cNvPr>
-          <p:cNvSpPr/>
-          <p:nvPr/>
-        </p:nvSpPr>
-        <p:spPr>
-          <a:xfrm rot="9548600">
-            <a:off x="1803394" y="3682041"/>
-            <a:ext cx="1946025" cy="237343"/>
-          </a:xfrm>
-          <a:prstGeom prst="leftArrow">
-            <a:avLst/>
-          </a:prstGeom>
-          <a:solidFill>
-            <a:srgbClr val="FF0000"/>
-          </a:solidFill>
-          <a:ln>
-            <a:solidFill>
-              <a:schemeClr val="bg1">
-                <a:lumMod val="90000"/>
-                <a:lumOff val="10000"/>
-              </a:schemeClr>
-            </a:solidFill>
-          </a:ln>
-        </p:spPr>
-        <p:style>
-          <a:lnRef idx="2">
-            <a:schemeClr val="accent1">
-              <a:shade val="50000"/>
-            </a:schemeClr>
-          </a:lnRef>
-          <a:fillRef idx="1">
-            <a:schemeClr val="accent1"/>
-          </a:fillRef>
-          <a:effectRef idx="0">
-            <a:schemeClr val="accent1"/>
-          </a:effectRef>
-          <a:fontRef idx="minor">
-            <a:schemeClr val="lt1"/>
-          </a:fontRef>
-        </p:style>
-        <p:txBody>
-          <a:bodyPr rtlCol="0" anchor="ctr"/>
-          <a:lstStyle/>
-          <a:p>
-            <a:pPr algn="ctr"/>
-            <a:endParaRPr lang="en-US"/>
-          </a:p>
-        </p:txBody>
-      </p:sp>
-      <p:sp>
-        <p:nvSpPr>
-          <p:cNvPr id="11" name="TextBox 10">
-            <a:extLst>
-              <a:ext uri="{FF2B5EF4-FFF2-40B4-BE49-F238E27FC236}">
-                <a16:creationId xmlns:a16="http://schemas.microsoft.com/office/drawing/2014/main" id="{77258F30-B466-4434-98B2-7AC8473FE663}"/>
-              </a:ext>
-            </a:extLst>
-          </p:cNvPr>
-          <p:cNvSpPr txBox="1"/>
-          <p:nvPr/>
-        </p:nvSpPr>
-        <p:spPr>
-          <a:xfrm>
-            <a:off x="389463" y="3986924"/>
-            <a:ext cx="1348446" cy="523220"/>
-          </a:xfrm>
-          <a:prstGeom prst="rect">
-            <a:avLst/>
-          </a:prstGeom>
-          <a:noFill/>
-        </p:spPr>
-        <p:txBody>
-          <a:bodyPr wrap="none" rtlCol="0">
-            <a:spAutoFit/>
-          </a:bodyPr>
-          <a:lstStyle/>
-          <a:p>
-            <a:r>
-              <a:rPr lang="en-US" dirty="0"/>
-              <a:t>Measure logic </a:t>
-            </a:r>
-          </a:p>
-          <a:p>
-            <a:r>
-              <a:rPr lang="en-US" dirty="0"/>
-              <a:t>going to Pin 6 </a:t>
-            </a:r>
-          </a:p>
-        </p:txBody>
-      </p:sp>
-    </p:spTree>
-    <p:extLst>
-      <p:ext uri="{BB962C8B-B14F-4D97-AF65-F5344CB8AC3E}">
-        <p14:creationId xmlns:p14="http://schemas.microsoft.com/office/powerpoint/2010/main" val="2012379139"/>
-      </p:ext>
-    </p:extLst>
-  </p:cSld>
-  <p:clrMapOvr>
-    <a:masterClrMapping/>
-  </p:clrMapOvr>
-</p:sld>
-</file>
-
-<file path=ppt/slides/slide11.xml><?xml version="1.0" encoding="utf-8"?>
-<p:sld xmlns:a="http://schemas.openxmlformats.org/drawingml/2006/main" xmlns:r="http://schemas.openxmlformats.org/officeDocument/2006/relationships" xmlns:p="http://schemas.openxmlformats.org/presentationml/2006/main">
-  <p:cSld>
-    <p:spTree>
-      <p:nvGrpSpPr>
-        <p:cNvPr id="1" name=""/>
-        <p:cNvGrpSpPr/>
-        <p:nvPr/>
-      </p:nvGrpSpPr>
-      <p:grpSpPr>
-        <a:xfrm>
-          <a:off x="0" y="0"/>
-          <a:ext cx="0" cy="0"/>
-          <a:chOff x="0" y="0"/>
-          <a:chExt cx="0" cy="0"/>
-        </a:xfrm>
-      </p:grpSpPr>
-      <p:sp>
-        <p:nvSpPr>
-          <p:cNvPr id="2" name="Title 1"/>
-          <p:cNvSpPr>
-            <a:spLocks noGrp="1"/>
-          </p:cNvSpPr>
-          <p:nvPr>
-            <p:ph type="title"/>
-          </p:nvPr>
-        </p:nvSpPr>
-        <p:spPr/>
-        <p:txBody>
-          <a:bodyPr/>
-          <a:lstStyle/>
-          <a:p>
-            <a:r>
-              <a:rPr lang="en-US" dirty="0"/>
-              <a:t>IR Transmit and Receive</a:t>
-            </a:r>
-          </a:p>
-        </p:txBody>
-      </p:sp>
-      <p:sp>
-        <p:nvSpPr>
-          <p:cNvPr id="3" name="Content Placeholder 2"/>
-          <p:cNvSpPr>
-            <a:spLocks noGrp="1"/>
-          </p:cNvSpPr>
-          <p:nvPr>
-            <p:ph idx="1"/>
-          </p:nvPr>
-        </p:nvSpPr>
-        <p:spPr/>
-        <p:txBody>
-          <a:bodyPr anchor="t"/>
-          <a:lstStyle/>
-          <a:p>
-            <a:r>
-              <a:rPr lang="en-US" dirty="0"/>
-              <a:t>This should very close to our signals.</a:t>
-            </a:r>
-          </a:p>
-        </p:txBody>
-      </p:sp>
-      <p:pic>
-        <p:nvPicPr>
-          <p:cNvPr id="1026" name="Picture 2">
-            <a:extLst>
-              <a:ext uri="{FF2B5EF4-FFF2-40B4-BE49-F238E27FC236}">
-                <a16:creationId xmlns:a16="http://schemas.microsoft.com/office/drawing/2014/main" id="{9A62C730-421E-4AE6-8C99-16D9D4F3C413}"/>
-              </a:ext>
-            </a:extLst>
-          </p:cNvPr>
-          <p:cNvPicPr>
-            <a:picLocks noChangeAspect="1" noChangeArrowheads="1"/>
-          </p:cNvPicPr>
-          <p:nvPr/>
-        </p:nvPicPr>
-        <p:blipFill>
-          <a:blip r:embed="rId2">
-            <a:extLst>
-              <a:ext uri="{28A0092B-C50C-407E-A947-70E740481C1C}">
-                <a14:useLocalDpi xmlns:a14="http://schemas.microsoft.com/office/drawing/2010/main" val="0"/>
-              </a:ext>
-            </a:extLst>
-          </a:blip>
-          <a:srcRect/>
-          <a:stretch>
-            <a:fillRect/>
-          </a:stretch>
-        </p:blipFill>
-        <p:spPr bwMode="auto">
-          <a:xfrm>
-            <a:off x="1816099" y="3624050"/>
-            <a:ext cx="9006635" cy="2916305"/>
-          </a:xfrm>
-          <a:prstGeom prst="rect">
-            <a:avLst/>
-          </a:prstGeom>
-          <a:noFill/>
-          <a:extLst>
-            <a:ext uri="{909E8E84-426E-40DD-AFC4-6F175D3DCCD1}">
-              <a14:hiddenFill xmlns:a14="http://schemas.microsoft.com/office/drawing/2010/main">
-                <a:solidFill>
-                  <a:srgbClr val="FFFFFF"/>
-                </a:solidFill>
-              </a14:hiddenFill>
-            </a:ext>
-          </a:extLst>
-        </p:spPr>
-      </p:pic>
-    </p:spTree>
-    <p:extLst>
-      <p:ext uri="{BB962C8B-B14F-4D97-AF65-F5344CB8AC3E}">
-        <p14:creationId xmlns:p14="http://schemas.microsoft.com/office/powerpoint/2010/main" val="265162805"/>
-      </p:ext>
-    </p:extLst>
-  </p:cSld>
-  <p:clrMapOvr>
-    <a:masterClrMapping/>
-  </p:clrMapOvr>
-</p:sld>
-</file>
-
-<file path=ppt/slides/slide12.xml><?xml version="1.0" encoding="utf-8"?>
-<p:sld xmlns:a="http://schemas.openxmlformats.org/drawingml/2006/main" xmlns:r="http://schemas.openxmlformats.org/officeDocument/2006/relationships" xmlns:p="http://schemas.openxmlformats.org/presentationml/2006/main">
-  <p:cSld>
-    <p:spTree>
-      <p:nvGrpSpPr>
-        <p:cNvPr id="1" name=""/>
-        <p:cNvGrpSpPr/>
-        <p:nvPr/>
-      </p:nvGrpSpPr>
-      <p:grpSpPr>
-        <a:xfrm>
-          <a:off x="0" y="0"/>
-          <a:ext cx="0" cy="0"/>
-          <a:chOff x="0" y="0"/>
-          <a:chExt cx="0" cy="0"/>
-        </a:xfrm>
-      </p:grpSpPr>
-      <p:sp>
-        <p:nvSpPr>
           <p:cNvPr id="2" name="Title 1">
             <a:extLst>
               <a:ext uri="{FF2B5EF4-FFF2-40B4-BE49-F238E27FC236}">
@@ -55416,32 +54954,13 @@
           <a:p>
             <a:r>
               <a:rPr lang="en-US" dirty="0"/>
-              <a:t>Download the following zip file from  </a:t>
-            </a:r>
-            <a:r>
-              <a:rPr lang="en-US" dirty="0">
-                <a:hlinkClick r:id="rId2"/>
-              </a:rPr>
-              <a:t>https://downloads.arduino.cc/libraries/github.com/z3t0/IRremote-3.4.0.zip</a:t>
-            </a:r>
-            <a:endParaRPr lang="en-US" dirty="0"/>
-          </a:p>
-          <a:p>
-            <a:r>
-              <a:rPr lang="en-US" dirty="0"/>
-              <a:t>Save it to Documents\Arduino\Libraries</a:t>
+              <a:t>Add from Sketch-&gt;Include Library-&gt; Add .ZIP Library.</a:t>
             </a:r>
           </a:p>
           <a:p>
             <a:r>
               <a:rPr lang="en-US" dirty="0"/>
-              <a:t>Do not unzip.</a:t>
-            </a:r>
-          </a:p>
-          <a:p>
-            <a:r>
-              <a:rPr lang="en-US" dirty="0"/>
-              <a:t>Add from Sketch-&gt;Include Library-&gt; Add .ZIP Library.</a:t>
+              <a:t>It should be one of the folders you unzipped.</a:t>
             </a:r>
           </a:p>
         </p:txBody>
@@ -55455,7 +54974,7 @@
           <p:nvPr/>
         </p:nvPicPr>
         <p:blipFill>
-          <a:blip r:embed="rId3">
+          <a:blip r:embed="rId2">
             <a:extLst>
               <a:ext uri="{28A0092B-C50C-407E-A947-70E740481C1C}">
                 <a14:useLocalDpi xmlns:a14="http://schemas.microsoft.com/office/drawing/2010/main" val="0"/>
@@ -55545,25 +55064,17 @@
           <a:p>
             <a:r>
               <a:rPr lang="en-US" dirty="0"/>
-              <a:t>Copy </a:t>
+              <a:t>Open </a:t>
             </a:r>
             <a:r>
               <a:rPr lang="en-US" dirty="0">
                 <a:hlinkClick r:id="rId2"/>
               </a:rPr>
-              <a:t>the IR_TriLED-V3.ino </a:t>
+              <a:t>the IR_TriLED-V3.ino</a:t>
             </a:r>
             <a:r>
               <a:rPr lang="en-US" dirty="0"/>
-              <a:t>from </a:t>
-            </a:r>
-            <a:r>
-              <a:rPr lang="en-US" dirty="0" err="1"/>
-              <a:t>github</a:t>
-            </a:r>
-            <a:r>
-              <a:rPr lang="en-US" dirty="0"/>
-              <a:t> and paste it into a blank Arduino sketch.</a:t>
+              <a:t> in the Arduino IDE. It should be in the folder you unzipped.</a:t>
             </a:r>
           </a:p>
           <a:p>
@@ -55906,41 +55417,6 @@
       </p:sp>
       <p:pic>
         <p:nvPicPr>
-          <p:cNvPr id="7" name="Picture 6" descr="Diagram&#10;&#10;Description automatically generated">
-            <a:extLst>
-              <a:ext uri="{FF2B5EF4-FFF2-40B4-BE49-F238E27FC236}">
-                <a16:creationId xmlns:a16="http://schemas.microsoft.com/office/drawing/2014/main" id="{6F0C712F-9995-4EB8-95D2-C7FA4DAD82F7}"/>
-              </a:ext>
-            </a:extLst>
-          </p:cNvPr>
-          <p:cNvPicPr>
-            <a:picLocks noChangeAspect="1"/>
-          </p:cNvPicPr>
-          <p:nvPr/>
-        </p:nvPicPr>
-        <p:blipFill rotWithShape="1">
-          <a:blip r:embed="rId2">
-            <a:extLst>
-              <a:ext uri="{28A0092B-C50C-407E-A947-70E740481C1C}">
-                <a14:useLocalDpi xmlns:a14="http://schemas.microsoft.com/office/drawing/2010/main" val="0"/>
-              </a:ext>
-            </a:extLst>
-          </a:blip>
-          <a:srcRect l="24015" r="27501"/>
-          <a:stretch/>
-        </p:blipFill>
-        <p:spPr>
-          <a:xfrm>
-            <a:off x="4756727" y="1291083"/>
-            <a:ext cx="5911274" cy="5092700"/>
-          </a:xfrm>
-          <a:prstGeom prst="rect">
-            <a:avLst/>
-          </a:prstGeom>
-        </p:spPr>
-      </p:pic>
-      <p:pic>
-        <p:nvPicPr>
           <p:cNvPr id="1026" name="Picture 2" descr="2N2222 Transistor Basics- Pinout, Specs &amp; Equivalent">
             <a:extLst>
               <a:ext uri="{FF2B5EF4-FFF2-40B4-BE49-F238E27FC236}">
@@ -55954,7 +55430,7 @@
           <p:nvPr/>
         </p:nvPicPr>
         <p:blipFill>
-          <a:blip r:embed="rId3">
+          <a:blip r:embed="rId2">
             <a:extLst>
               <a:ext uri="{28A0092B-C50C-407E-A947-70E740481C1C}">
                 <a14:useLocalDpi xmlns:a14="http://schemas.microsoft.com/office/drawing/2010/main" val="0"/>
@@ -55984,6 +55460,42 @@
               </a14:hiddenFill>
             </a:ext>
           </a:extLst>
+        </p:spPr>
+      </p:pic>
+      <p:pic>
+        <p:nvPicPr>
+          <p:cNvPr id="5" name="Picture 4" descr="A circuit board with wires and wires&#10;&#10;Description automatically generated">
+            <a:extLst>
+              <a:ext uri="{FF2B5EF4-FFF2-40B4-BE49-F238E27FC236}">
+                <a16:creationId xmlns:a16="http://schemas.microsoft.com/office/drawing/2014/main" id="{3E7B6D68-5D26-1B36-F596-9E54773B68AE}"/>
+              </a:ext>
+            </a:extLst>
+          </p:cNvPr>
+          <p:cNvPicPr>
+            <a:picLocks noChangeAspect="1"/>
+          </p:cNvPicPr>
+          <p:nvPr/>
+        </p:nvPicPr>
+        <p:blipFill>
+          <a:blip r:embed="rId3">
+            <a:extLst>
+              <a:ext uri="{28A0092B-C50C-407E-A947-70E740481C1C}">
+                <a14:useLocalDpi xmlns:a14="http://schemas.microsoft.com/office/drawing/2010/main" val="0"/>
+              </a:ext>
+            </a:extLst>
+          </a:blip>
+          <a:stretch>
+            <a:fillRect/>
+          </a:stretch>
+        </p:blipFill>
+        <p:spPr>
+          <a:xfrm>
+            <a:off x="4641734" y="350519"/>
+            <a:ext cx="6026265" cy="6434057"/>
+          </a:xfrm>
+          <a:prstGeom prst="rect">
+            <a:avLst/>
+          </a:prstGeom>
         </p:spPr>
       </p:pic>
     </p:spTree>
